--- a/docs/diagrams/UiComponentClassDiagram.pptx
+++ b/docs/diagrams/UiComponentClassDiagram.pptx
@@ -208,7 +208,7 @@
           <a:p>
             <a:fld id="{F5CC4B3F-88C1-4FFA-B1B6-F41C21DC6924}" type="datetimeFigureOut">
               <a:rPr lang="en-US" smtClean="0"/>
-              <a:t>1/7/2017</a:t>
+              <a:t>4/4/18</a:t>
             </a:fld>
             <a:endParaRPr lang="en-US"/>
           </a:p>
@@ -654,7 +654,7 @@
           <a:p>
             <a:fld id="{78C97017-6FC3-485B-9764-EAC9E56C1D49}" type="datetimeFigureOut">
               <a:rPr lang="en-US" smtClean="0"/>
-              <a:t>1/7/2017</a:t>
+              <a:t>4/4/18</a:t>
             </a:fld>
             <a:endParaRPr lang="en-US"/>
           </a:p>
@@ -822,7 +822,7 @@
           <a:p>
             <a:fld id="{78C97017-6FC3-485B-9764-EAC9E56C1D49}" type="datetimeFigureOut">
               <a:rPr lang="en-US" smtClean="0"/>
-              <a:t>1/7/2017</a:t>
+              <a:t>4/4/18</a:t>
             </a:fld>
             <a:endParaRPr lang="en-US"/>
           </a:p>
@@ -1000,7 +1000,7 @@
           <a:p>
             <a:fld id="{78C97017-6FC3-485B-9764-EAC9E56C1D49}" type="datetimeFigureOut">
               <a:rPr lang="en-US" smtClean="0"/>
-              <a:t>1/7/2017</a:t>
+              <a:t>4/4/18</a:t>
             </a:fld>
             <a:endParaRPr lang="en-US"/>
           </a:p>
@@ -1168,7 +1168,7 @@
           <a:p>
             <a:fld id="{78C97017-6FC3-485B-9764-EAC9E56C1D49}" type="datetimeFigureOut">
               <a:rPr lang="en-US" smtClean="0"/>
-              <a:t>1/7/2017</a:t>
+              <a:t>4/4/18</a:t>
             </a:fld>
             <a:endParaRPr lang="en-US"/>
           </a:p>
@@ -1413,7 +1413,7 @@
           <a:p>
             <a:fld id="{78C97017-6FC3-485B-9764-EAC9E56C1D49}" type="datetimeFigureOut">
               <a:rPr lang="en-US" smtClean="0"/>
-              <a:t>1/7/2017</a:t>
+              <a:t>4/4/18</a:t>
             </a:fld>
             <a:endParaRPr lang="en-US"/>
           </a:p>
@@ -1698,7 +1698,7 @@
           <a:p>
             <a:fld id="{78C97017-6FC3-485B-9764-EAC9E56C1D49}" type="datetimeFigureOut">
               <a:rPr lang="en-US" smtClean="0"/>
-              <a:t>1/7/2017</a:t>
+              <a:t>4/4/18</a:t>
             </a:fld>
             <a:endParaRPr lang="en-US"/>
           </a:p>
@@ -2117,7 +2117,7 @@
           <a:p>
             <a:fld id="{78C97017-6FC3-485B-9764-EAC9E56C1D49}" type="datetimeFigureOut">
               <a:rPr lang="en-US" smtClean="0"/>
-              <a:t>1/7/2017</a:t>
+              <a:t>4/4/18</a:t>
             </a:fld>
             <a:endParaRPr lang="en-US"/>
           </a:p>
@@ -2234,7 +2234,7 @@
           <a:p>
             <a:fld id="{78C97017-6FC3-485B-9764-EAC9E56C1D49}" type="datetimeFigureOut">
               <a:rPr lang="en-US" smtClean="0"/>
-              <a:t>1/7/2017</a:t>
+              <a:t>4/4/18</a:t>
             </a:fld>
             <a:endParaRPr lang="en-US"/>
           </a:p>
@@ -2329,7 +2329,7 @@
           <a:p>
             <a:fld id="{78C97017-6FC3-485B-9764-EAC9E56C1D49}" type="datetimeFigureOut">
               <a:rPr lang="en-US" smtClean="0"/>
-              <a:t>1/7/2017</a:t>
+              <a:t>4/4/18</a:t>
             </a:fld>
             <a:endParaRPr lang="en-US"/>
           </a:p>
@@ -2604,7 +2604,7 @@
           <a:p>
             <a:fld id="{78C97017-6FC3-485B-9764-EAC9E56C1D49}" type="datetimeFigureOut">
               <a:rPr lang="en-US" smtClean="0"/>
-              <a:t>1/7/2017</a:t>
+              <a:t>4/4/18</a:t>
             </a:fld>
             <a:endParaRPr lang="en-US"/>
           </a:p>
@@ -2856,7 +2856,7 @@
           <a:p>
             <a:fld id="{78C97017-6FC3-485B-9764-EAC9E56C1D49}" type="datetimeFigureOut">
               <a:rPr lang="en-US" smtClean="0"/>
-              <a:t>1/7/2017</a:t>
+              <a:t>4/4/18</a:t>
             </a:fld>
             <a:endParaRPr lang="en-US"/>
           </a:p>
@@ -3067,7 +3067,7 @@
           <a:p>
             <a:fld id="{78C97017-6FC3-485B-9764-EAC9E56C1D49}" type="datetimeFigureOut">
               <a:rPr lang="en-US" smtClean="0"/>
-              <a:t>1/7/2017</a:t>
+              <a:t>4/4/18</a:t>
             </a:fld>
             <a:endParaRPr lang="en-US"/>
           </a:p>
@@ -3451,7 +3451,7 @@
         <p:spPr>
           <a:xfrm>
             <a:off x="1217465" y="1447800"/>
-            <a:ext cx="4917083" cy="3962400"/>
+            <a:ext cx="4917083" cy="4953000"/>
           </a:xfrm>
           <a:prstGeom prst="roundRect">
             <a:avLst>
@@ -3545,7 +3545,7 @@
           <a:p>
             <a:pPr algn="ctr"/>
             <a:r>
-              <a:rPr lang="en-US" sz="1050" b="1" dirty="0" err="1">
+              <a:rPr lang="en-US" sz="1050" b="1" dirty="0">
                 <a:solidFill>
                   <a:schemeClr val="accent3">
                     <a:lumMod val="75000"/>
@@ -3572,8 +3572,8 @@
         </p:nvSpPr>
         <p:spPr>
           <a:xfrm>
-            <a:off x="2592528" y="2971800"/>
-            <a:ext cx="1093635" cy="236841"/>
+            <a:off x="2592528" y="3047717"/>
+            <a:ext cx="1307001" cy="228883"/>
           </a:xfrm>
           <a:prstGeom prst="rect">
             <a:avLst/>
@@ -3605,7 +3605,7 @@
           <a:p>
             <a:pPr algn="ctr"/>
             <a:r>
-              <a:rPr lang="en-US" sz="1050" b="1" dirty="0" err="1">
+              <a:rPr lang="en-US" sz="1050" b="1" dirty="0">
                 <a:solidFill>
                   <a:schemeClr val="accent3">
                     <a:lumMod val="75000"/>
@@ -3668,7 +3668,7 @@
           <a:p>
             <a:pPr algn="ctr"/>
             <a:r>
-              <a:rPr lang="en-US" sz="1050" dirty="0" err="1">
+              <a:rPr lang="en-US" sz="1050" dirty="0">
                 <a:solidFill>
                   <a:schemeClr val="bg1"/>
                 </a:solidFill>
@@ -3825,8 +3825,8 @@
         </p:nvSpPr>
         <p:spPr>
           <a:xfrm rot="16200000">
-            <a:off x="5703829" y="2464877"/>
-            <a:ext cx="2362201" cy="328045"/>
+            <a:off x="5665729" y="2502976"/>
+            <a:ext cx="2438401" cy="328045"/>
           </a:xfrm>
           <a:prstGeom prst="roundRect">
             <a:avLst/>
@@ -3885,8 +3885,8 @@
         </p:nvSpPr>
         <p:spPr>
           <a:xfrm>
-            <a:off x="2592528" y="3649359"/>
-            <a:ext cx="1093635" cy="236841"/>
+            <a:off x="2591661" y="4478088"/>
+            <a:ext cx="1307869" cy="231274"/>
           </a:xfrm>
           <a:prstGeom prst="rect">
             <a:avLst/>
@@ -3918,14 +3918,14 @@
           <a:p>
             <a:pPr algn="ctr"/>
             <a:r>
-              <a:rPr lang="en-US" sz="1050" b="1" dirty="0" err="1">
+              <a:rPr lang="en-US" sz="1050" b="1" dirty="0" smtClean="0">
                 <a:solidFill>
                   <a:schemeClr val="accent3">
                     <a:lumMod val="75000"/>
                   </a:schemeClr>
                 </a:solidFill>
               </a:rPr>
-              <a:t>BrowserPanel</a:t>
+              <a:t>TimetablePanel</a:t>
             </a:r>
             <a:endParaRPr lang="en-SG" sz="1050" b="1" dirty="0">
               <a:solidFill>
@@ -3945,8 +3945,8 @@
         </p:nvSpPr>
         <p:spPr>
           <a:xfrm>
-            <a:off x="2592527" y="4563759"/>
-            <a:ext cx="1093635" cy="236841"/>
+            <a:off x="2603601" y="5580662"/>
+            <a:ext cx="1295928" cy="231404"/>
           </a:xfrm>
           <a:prstGeom prst="rect">
             <a:avLst/>
@@ -3978,7 +3978,7 @@
           <a:p>
             <a:pPr algn="ctr"/>
             <a:r>
-              <a:rPr lang="en-US" sz="1050" b="1" dirty="0" err="1">
+              <a:rPr lang="en-US" sz="1050" b="1" dirty="0">
                 <a:solidFill>
                   <a:schemeClr val="accent3">
                     <a:lumMod val="75000"/>
@@ -4005,8 +4005,8 @@
         </p:nvSpPr>
         <p:spPr>
           <a:xfrm>
-            <a:off x="2592526" y="3991960"/>
-            <a:ext cx="1093635" cy="236841"/>
+            <a:off x="2596555" y="5133744"/>
+            <a:ext cx="1302976" cy="246909"/>
           </a:xfrm>
           <a:prstGeom prst="rect">
             <a:avLst/>
@@ -4038,14 +4038,14 @@
           <a:p>
             <a:pPr algn="ctr"/>
             <a:r>
-              <a:rPr lang="en-US" sz="1050" b="1" dirty="0" err="1">
+              <a:rPr lang="en-US" sz="1050" b="1" smtClean="0">
                 <a:solidFill>
                   <a:schemeClr val="accent3">
                     <a:lumMod val="75000"/>
                   </a:schemeClr>
                 </a:solidFill>
               </a:rPr>
-              <a:t>PersonListPanel</a:t>
+              <a:t>EmployeeListPanel</a:t>
             </a:r>
             <a:endParaRPr lang="en-SG" sz="1050" b="1" dirty="0">
               <a:solidFill>
@@ -4065,8 +4065,8 @@
         </p:nvSpPr>
         <p:spPr>
           <a:xfrm>
-            <a:off x="3839323" y="4228801"/>
-            <a:ext cx="1040906" cy="236841"/>
+            <a:off x="4079960" y="5334000"/>
+            <a:ext cx="1177839" cy="237401"/>
           </a:xfrm>
           <a:prstGeom prst="rect">
             <a:avLst/>
@@ -4098,14 +4098,14 @@
           <a:p>
             <a:pPr algn="ctr"/>
             <a:r>
-              <a:rPr lang="en-US" sz="1050" b="1" dirty="0" err="1">
+              <a:rPr lang="en-US" sz="1050" b="1" dirty="0" smtClean="0">
                 <a:solidFill>
                   <a:schemeClr val="accent3">
                     <a:lumMod val="75000"/>
                   </a:schemeClr>
                 </a:solidFill>
               </a:rPr>
-              <a:t>PersonCard</a:t>
+              <a:t>EmployeeCard</a:t>
             </a:r>
             <a:endParaRPr lang="en-SG" sz="1050" b="1" dirty="0">
               <a:solidFill>
@@ -4125,8 +4125,8 @@
         </p:nvSpPr>
         <p:spPr>
           <a:xfrm>
-            <a:off x="2592528" y="4966000"/>
-            <a:ext cx="1093635" cy="236841"/>
+            <a:off x="2615122" y="5935519"/>
+            <a:ext cx="1284407" cy="206159"/>
           </a:xfrm>
           <a:prstGeom prst="rect">
             <a:avLst/>
@@ -4158,7 +4158,7 @@
           <a:p>
             <a:pPr algn="ctr"/>
             <a:r>
-              <a:rPr lang="en-US" sz="1050" b="1" dirty="0" err="1">
+              <a:rPr lang="en-US" sz="1050" b="1" dirty="0">
                 <a:solidFill>
                   <a:schemeClr val="accent3">
                     <a:lumMod val="75000"/>
@@ -4236,8 +4236,8 @@
         </p:nvCxnSpPr>
         <p:spPr>
           <a:xfrm rot="16200000" flipH="1">
-            <a:off x="2393229" y="2890922"/>
-            <a:ext cx="222196" cy="176402"/>
+            <a:off x="2357260" y="2926891"/>
+            <a:ext cx="294134" cy="176402"/>
           </a:xfrm>
           <a:prstGeom prst="bentConnector2">
             <a:avLst/>
@@ -4274,8 +4274,8 @@
         </p:nvSpPr>
         <p:spPr>
           <a:xfrm>
-            <a:off x="2590799" y="3304308"/>
-            <a:ext cx="1095361" cy="236841"/>
+            <a:off x="2590799" y="3439856"/>
+            <a:ext cx="1308731" cy="212944"/>
           </a:xfrm>
           <a:prstGeom prst="rect">
             <a:avLst/>
@@ -4307,7 +4307,7 @@
           <a:p>
             <a:pPr algn="ctr"/>
             <a:r>
-              <a:rPr lang="en-US" sz="1050" b="1" dirty="0" err="1">
+              <a:rPr lang="en-US" sz="1050" b="1" dirty="0">
                 <a:solidFill>
                   <a:schemeClr val="accent3">
                     <a:lumMod val="75000"/>
@@ -4337,8 +4337,8 @@
         </p:nvCxnSpPr>
         <p:spPr>
           <a:xfrm rot="16200000" flipH="1">
-            <a:off x="2054450" y="3229701"/>
-            <a:ext cx="899755" cy="176402"/>
+            <a:off x="1641043" y="3643107"/>
+            <a:ext cx="1725700" cy="175535"/>
           </a:xfrm>
           <a:prstGeom prst="bentConnector2">
             <a:avLst/>
@@ -4378,8 +4378,8 @@
         </p:nvCxnSpPr>
         <p:spPr>
           <a:xfrm rot="16200000" flipH="1">
-            <a:off x="1883148" y="3401003"/>
-            <a:ext cx="1242356" cy="176400"/>
+            <a:off x="1311753" y="3972397"/>
+            <a:ext cx="2389174" cy="180429"/>
           </a:xfrm>
           <a:prstGeom prst="bentConnector2">
             <a:avLst/>
@@ -4419,8 +4419,8 @@
         </p:nvCxnSpPr>
         <p:spPr>
           <a:xfrm rot="16200000" flipH="1">
-            <a:off x="1597249" y="3686901"/>
-            <a:ext cx="1814155" cy="176401"/>
+            <a:off x="1095694" y="4188456"/>
+            <a:ext cx="2828339" cy="187475"/>
           </a:xfrm>
           <a:prstGeom prst="bentConnector2">
             <a:avLst/>
@@ -4459,8 +4459,8 @@
         </p:nvCxnSpPr>
         <p:spPr>
           <a:xfrm rot="16200000" flipH="1">
-            <a:off x="1184119" y="3676012"/>
-            <a:ext cx="2396440" cy="420377"/>
+            <a:off x="719760" y="4143237"/>
+            <a:ext cx="3350620" cy="440103"/>
           </a:xfrm>
           <a:prstGeom prst="bentConnector2">
             <a:avLst/>
@@ -4549,7 +4549,7 @@
               </a:rPr>
             </a:br>
             <a:r>
-              <a:rPr lang="en-US" sz="1050" b="1" dirty="0" err="1">
+              <a:rPr lang="en-US" sz="1050" b="1" dirty="0">
                 <a:solidFill>
                   <a:schemeClr val="accent3">
                     <a:lumMod val="75000"/>
@@ -4579,8 +4579,8 @@
         </p:nvCxnSpPr>
         <p:spPr>
           <a:xfrm flipV="1">
-            <a:off x="3686160" y="2286000"/>
-            <a:ext cx="1843809" cy="1136729"/>
+            <a:off x="3899530" y="2286000"/>
+            <a:ext cx="1630439" cy="1260328"/>
           </a:xfrm>
           <a:prstGeom prst="bentConnector2">
             <a:avLst/>
@@ -4620,8 +4620,8 @@
         </p:nvCxnSpPr>
         <p:spPr>
           <a:xfrm rot="5400000">
-            <a:off x="4174488" y="2991741"/>
-            <a:ext cx="2061222" cy="649740"/>
+            <a:off x="3810534" y="3733265"/>
+            <a:ext cx="3166701" cy="272170"/>
           </a:xfrm>
           <a:prstGeom prst="bentConnector2">
             <a:avLst/>
@@ -4661,8 +4661,8 @@
         </p:nvCxnSpPr>
         <p:spPr>
           <a:xfrm rot="5400000">
-            <a:off x="3867176" y="2104987"/>
-            <a:ext cx="1481780" cy="1843806"/>
+            <a:off x="3560888" y="2624643"/>
+            <a:ext cx="2307725" cy="1630439"/>
           </a:xfrm>
           <a:prstGeom prst="bentConnector2">
             <a:avLst/>
@@ -4743,8 +4743,8 @@
         </p:nvCxnSpPr>
         <p:spPr>
           <a:xfrm rot="5400000">
-            <a:off x="3409976" y="2562187"/>
-            <a:ext cx="2396180" cy="1843807"/>
+            <a:off x="3009567" y="3175962"/>
+            <a:ext cx="3410364" cy="1630440"/>
           </a:xfrm>
           <a:prstGeom prst="bentConnector2">
             <a:avLst/>
@@ -4784,8 +4784,8 @@
         </p:nvCxnSpPr>
         <p:spPr>
           <a:xfrm rot="5400000">
-            <a:off x="3208856" y="2763307"/>
-            <a:ext cx="2798421" cy="1843806"/>
+            <a:off x="2838450" y="3347079"/>
+            <a:ext cx="3752599" cy="1630440"/>
           </a:xfrm>
           <a:prstGeom prst="bentConnector2">
             <a:avLst/>
@@ -4863,8 +4863,8 @@
         </p:nvSpPr>
         <p:spPr>
           <a:xfrm rot="16200000">
-            <a:off x="6213739" y="4560376"/>
-            <a:ext cx="1371599" cy="328045"/>
+            <a:off x="5725104" y="4954405"/>
+            <a:ext cx="2312057" cy="328045"/>
           </a:xfrm>
           <a:prstGeom prst="roundRect">
             <a:avLst/>
@@ -4970,7 +4970,7 @@
           <a:p>
             <a:pPr algn="ctr"/>
             <a:r>
-              <a:rPr lang="en-US" sz="1050" dirty="0" err="1">
+              <a:rPr lang="en-US" sz="1050" dirty="0">
                 <a:solidFill>
                   <a:schemeClr val="bg1"/>
                 </a:solidFill>
@@ -5086,8 +5086,8 @@
         </p:nvCxnSpPr>
         <p:spPr>
           <a:xfrm rot="16200000" flipH="1">
-            <a:off x="2226110" y="3058040"/>
-            <a:ext cx="554704" cy="174673"/>
+            <a:off x="2164311" y="3119839"/>
+            <a:ext cx="678303" cy="174673"/>
           </a:xfrm>
           <a:prstGeom prst="bentConnector2">
             <a:avLst/>
@@ -5127,8 +5127,8 @@
         </p:nvCxnSpPr>
         <p:spPr>
           <a:xfrm rot="5400000">
-            <a:off x="4205956" y="1766207"/>
-            <a:ext cx="804221" cy="1843806"/>
+            <a:off x="4276670" y="1908859"/>
+            <a:ext cx="876159" cy="1630440"/>
           </a:xfrm>
           <a:prstGeom prst="bentConnector2">
             <a:avLst/>
@@ -5168,8 +5168,8 @@
         </p:nvCxnSpPr>
         <p:spPr>
           <a:xfrm rot="16200000" flipH="1">
-            <a:off x="3430123" y="3938021"/>
-            <a:ext cx="118421" cy="699979"/>
+            <a:off x="3627977" y="5000718"/>
+            <a:ext cx="72048" cy="831917"/>
           </a:xfrm>
           <a:prstGeom prst="bentConnector2">
             <a:avLst/>
@@ -5209,8 +5209,8 @@
         </p:nvCxnSpPr>
         <p:spPr>
           <a:xfrm rot="5400000">
-            <a:off x="3695875" y="2276286"/>
-            <a:ext cx="1824381" cy="1843808"/>
+            <a:off x="3229151" y="2956380"/>
+            <a:ext cx="2971199" cy="1630438"/>
           </a:xfrm>
           <a:prstGeom prst="bentConnector2">
             <a:avLst/>
@@ -5300,8 +5300,8 @@
         </p:nvSpPr>
         <p:spPr>
           <a:xfrm>
-            <a:off x="3687515" y="2828802"/>
-            <a:ext cx="3048000" cy="203200"/>
+            <a:off x="3687515" y="2919756"/>
+            <a:ext cx="3048000" cy="112246"/>
           </a:xfrm>
           <a:custGeom>
             <a:avLst/>
@@ -5376,67 +5376,14 @@
       </p:sp>
       <p:sp>
         <p:nvSpPr>
-          <p:cNvPr id="144" name="Rectangle 143"/>
-          <p:cNvSpPr/>
-          <p:nvPr/>
-        </p:nvSpPr>
-        <p:spPr>
-          <a:xfrm>
-            <a:off x="5431573" y="4488138"/>
-            <a:ext cx="229325" cy="160062"/>
-          </a:xfrm>
-          <a:prstGeom prst="rect">
-            <a:avLst/>
-          </a:prstGeom>
-          <a:solidFill>
-            <a:schemeClr val="accent3">
-              <a:lumMod val="20000"/>
-              <a:lumOff val="80000"/>
-              <a:alpha val="80000"/>
-            </a:schemeClr>
-          </a:solidFill>
-          <a:ln>
-            <a:noFill/>
-          </a:ln>
-          <a:effectLst>
-            <a:softEdge rad="31750"/>
-          </a:effectLst>
-        </p:spPr>
-        <p:style>
-          <a:lnRef idx="2">
-            <a:schemeClr val="accent1">
-              <a:shade val="50000"/>
-            </a:schemeClr>
-          </a:lnRef>
-          <a:fillRef idx="1">
-            <a:schemeClr val="accent1"/>
-          </a:fillRef>
-          <a:effectRef idx="0">
-            <a:schemeClr val="accent1"/>
-          </a:effectRef>
-          <a:fontRef idx="minor">
-            <a:schemeClr val="lt1"/>
-          </a:fontRef>
-        </p:style>
-        <p:txBody>
-          <a:bodyPr rtlCol="0" anchor="ctr"/>
-          <a:lstStyle/>
-          <a:p>
-            <a:pPr algn="ctr"/>
-            <a:endParaRPr lang="en-SG"/>
-          </a:p>
-        </p:txBody>
-      </p:sp>
-      <p:sp>
-        <p:nvSpPr>
           <p:cNvPr id="118" name="Freeform 117"/>
           <p:cNvSpPr/>
           <p:nvPr/>
         </p:nvSpPr>
         <p:spPr>
           <a:xfrm flipV="1">
-            <a:off x="4114799" y="4472708"/>
-            <a:ext cx="2642195" cy="101600"/>
+            <a:off x="4724399" y="5571401"/>
+            <a:ext cx="2011115" cy="76906"/>
           </a:xfrm>
           <a:custGeom>
             <a:avLst/>
@@ -5509,6 +5456,596 @@
           </a:p>
         </p:txBody>
       </p:sp>
+      <p:sp>
+        <p:nvSpPr>
+          <p:cNvPr id="60" name="Rectangle 11"/>
+          <p:cNvSpPr/>
+          <p:nvPr/>
+        </p:nvSpPr>
+        <p:spPr>
+          <a:xfrm>
+            <a:off x="2618589" y="3792374"/>
+            <a:ext cx="1280943" cy="225592"/>
+          </a:xfrm>
+          <a:prstGeom prst="rect">
+            <a:avLst/>
+          </a:prstGeom>
+          <a:ln w="19050">
+            <a:solidFill>
+              <a:schemeClr val="accent3"/>
+            </a:solidFill>
+          </a:ln>
+          <a:effectLst/>
+        </p:spPr>
+        <p:style>
+          <a:lnRef idx="1">
+            <a:schemeClr val="accent3"/>
+          </a:lnRef>
+          <a:fillRef idx="2">
+            <a:schemeClr val="accent3"/>
+          </a:fillRef>
+          <a:effectRef idx="1">
+            <a:schemeClr val="accent3"/>
+          </a:effectRef>
+          <a:fontRef idx="minor">
+            <a:schemeClr val="dk1"/>
+          </a:fontRef>
+        </p:style>
+        <p:txBody>
+          <a:bodyPr rtlCol="0" anchor="ctr"/>
+          <a:lstStyle/>
+          <a:p>
+            <a:pPr algn="ctr"/>
+            <a:r>
+              <a:rPr lang="en-US" sz="1050" b="1" dirty="0" smtClean="0">
+                <a:solidFill>
+                  <a:schemeClr val="accent3">
+                    <a:lumMod val="75000"/>
+                  </a:schemeClr>
+                </a:solidFill>
+              </a:rPr>
+              <a:t>PtmanLogoDisplay</a:t>
+            </a:r>
+            <a:endParaRPr lang="en-SG" sz="1050" b="1" dirty="0">
+              <a:solidFill>
+                <a:schemeClr val="accent3">
+                  <a:lumMod val="75000"/>
+                </a:schemeClr>
+              </a:solidFill>
+            </a:endParaRPr>
+          </a:p>
+        </p:txBody>
+      </p:sp>
+      <p:cxnSp>
+        <p:nvCxnSpPr>
+          <p:cNvPr id="62" name="Elbow Connector 61"/>
+          <p:cNvCxnSpPr>
+            <a:stCxn id="39" idx="2"/>
+            <a:endCxn id="60" idx="1"/>
+          </p:cNvCxnSpPr>
+          <p:nvPr/>
+        </p:nvCxnSpPr>
+        <p:spPr>
+          <a:xfrm rot="16200000" flipH="1">
+            <a:off x="1998785" y="3285365"/>
+            <a:ext cx="1037145" cy="202463"/>
+          </a:xfrm>
+          <a:prstGeom prst="bentConnector2">
+            <a:avLst/>
+          </a:prstGeom>
+          <a:ln w="19050">
+            <a:solidFill>
+              <a:schemeClr val="accent3"/>
+            </a:solidFill>
+            <a:headEnd type="none" w="med" len="med"/>
+            <a:tailEnd type="arrow" w="med" len="med"/>
+          </a:ln>
+          <a:effectLst/>
+        </p:spPr>
+        <p:style>
+          <a:lnRef idx="1">
+            <a:schemeClr val="accent2"/>
+          </a:lnRef>
+          <a:fillRef idx="2">
+            <a:schemeClr val="accent2"/>
+          </a:fillRef>
+          <a:effectRef idx="1">
+            <a:schemeClr val="accent2"/>
+          </a:effectRef>
+          <a:fontRef idx="minor">
+            <a:schemeClr val="dk1"/>
+          </a:fontRef>
+        </p:style>
+      </p:cxnSp>
+      <p:sp>
+        <p:nvSpPr>
+          <p:cNvPr id="70" name="Rectangle 11"/>
+          <p:cNvSpPr/>
+          <p:nvPr/>
+        </p:nvSpPr>
+        <p:spPr>
+          <a:xfrm>
+            <a:off x="2607247" y="4136385"/>
+            <a:ext cx="1292286" cy="236334"/>
+          </a:xfrm>
+          <a:prstGeom prst="rect">
+            <a:avLst/>
+          </a:prstGeom>
+          <a:ln w="19050">
+            <a:solidFill>
+              <a:schemeClr val="accent3"/>
+            </a:solidFill>
+          </a:ln>
+          <a:effectLst/>
+        </p:spPr>
+        <p:style>
+          <a:lnRef idx="1">
+            <a:schemeClr val="accent3"/>
+          </a:lnRef>
+          <a:fillRef idx="2">
+            <a:schemeClr val="accent3"/>
+          </a:fillRef>
+          <a:effectRef idx="1">
+            <a:schemeClr val="accent3"/>
+          </a:effectRef>
+          <a:fontRef idx="minor">
+            <a:schemeClr val="dk1"/>
+          </a:fontRef>
+        </p:style>
+        <p:txBody>
+          <a:bodyPr rtlCol="0" anchor="ctr"/>
+          <a:lstStyle/>
+          <a:p>
+            <a:pPr algn="ctr"/>
+            <a:r>
+              <a:rPr lang="en-US" sz="1050" b="1" dirty="0" smtClean="0">
+                <a:solidFill>
+                  <a:schemeClr val="accent3">
+                    <a:lumMod val="75000"/>
+                  </a:schemeClr>
+                </a:solidFill>
+              </a:rPr>
+              <a:t>AdminModeDisplay</a:t>
+            </a:r>
+            <a:endParaRPr lang="en-SG" sz="1050" b="1" dirty="0">
+              <a:solidFill>
+                <a:schemeClr val="accent3">
+                  <a:lumMod val="75000"/>
+                </a:schemeClr>
+              </a:solidFill>
+            </a:endParaRPr>
+          </a:p>
+        </p:txBody>
+      </p:sp>
+      <p:cxnSp>
+        <p:nvCxnSpPr>
+          <p:cNvPr id="71" name="Elbow Connector 70"/>
+          <p:cNvCxnSpPr>
+            <a:stCxn id="39" idx="2"/>
+            <a:endCxn id="70" idx="1"/>
+          </p:cNvCxnSpPr>
+          <p:nvPr/>
+        </p:nvCxnSpPr>
+        <p:spPr>
+          <a:xfrm rot="16200000" flipH="1">
+            <a:off x="1818423" y="3465727"/>
+            <a:ext cx="1386527" cy="191121"/>
+          </a:xfrm>
+          <a:prstGeom prst="bentConnector2">
+            <a:avLst/>
+          </a:prstGeom>
+          <a:ln w="19050">
+            <a:solidFill>
+              <a:schemeClr val="accent3"/>
+            </a:solidFill>
+            <a:headEnd type="none" w="med" len="med"/>
+            <a:tailEnd type="arrow" w="med" len="med"/>
+          </a:ln>
+          <a:effectLst/>
+        </p:spPr>
+        <p:style>
+          <a:lnRef idx="1">
+            <a:schemeClr val="accent2"/>
+          </a:lnRef>
+          <a:fillRef idx="2">
+            <a:schemeClr val="accent2"/>
+          </a:fillRef>
+          <a:effectRef idx="1">
+            <a:schemeClr val="accent2"/>
+          </a:effectRef>
+          <a:fontRef idx="minor">
+            <a:schemeClr val="dk1"/>
+          </a:fontRef>
+        </p:style>
+      </p:cxnSp>
+      <p:cxnSp>
+        <p:nvCxnSpPr>
+          <p:cNvPr id="78" name="Elbow Connector 63"/>
+          <p:cNvCxnSpPr>
+            <a:stCxn id="60" idx="3"/>
+            <a:endCxn id="16" idx="3"/>
+          </p:cNvCxnSpPr>
+          <p:nvPr/>
+        </p:nvCxnSpPr>
+        <p:spPr>
+          <a:xfrm flipV="1">
+            <a:off x="3899532" y="2286000"/>
+            <a:ext cx="1630437" cy="1619170"/>
+          </a:xfrm>
+          <a:prstGeom prst="bentConnector2">
+            <a:avLst/>
+          </a:prstGeom>
+          <a:ln w="6350">
+            <a:solidFill>
+              <a:schemeClr val="accent3"/>
+            </a:solidFill>
+            <a:headEnd type="none" w="med" len="med"/>
+            <a:tailEnd type="none" w="med" len="med"/>
+          </a:ln>
+          <a:effectLst/>
+        </p:spPr>
+        <p:style>
+          <a:lnRef idx="1">
+            <a:schemeClr val="accent2"/>
+          </a:lnRef>
+          <a:fillRef idx="2">
+            <a:schemeClr val="accent2"/>
+          </a:fillRef>
+          <a:effectRef idx="1">
+            <a:schemeClr val="accent2"/>
+          </a:effectRef>
+          <a:fontRef idx="minor">
+            <a:schemeClr val="dk1"/>
+          </a:fontRef>
+        </p:style>
+      </p:cxnSp>
+      <p:cxnSp>
+        <p:nvCxnSpPr>
+          <p:cNvPr id="80" name="Elbow Connector 63"/>
+          <p:cNvCxnSpPr>
+            <a:stCxn id="70" idx="3"/>
+            <a:endCxn id="16" idx="3"/>
+          </p:cNvCxnSpPr>
+          <p:nvPr/>
+        </p:nvCxnSpPr>
+        <p:spPr>
+          <a:xfrm flipV="1">
+            <a:off x="3899533" y="2286000"/>
+            <a:ext cx="1630436" cy="1968552"/>
+          </a:xfrm>
+          <a:prstGeom prst="bentConnector2">
+            <a:avLst/>
+          </a:prstGeom>
+          <a:ln w="6350">
+            <a:solidFill>
+              <a:schemeClr val="accent3"/>
+            </a:solidFill>
+            <a:headEnd type="none" w="med" len="med"/>
+            <a:tailEnd type="none" w="med" len="med"/>
+          </a:ln>
+          <a:effectLst/>
+        </p:spPr>
+        <p:style>
+          <a:lnRef idx="1">
+            <a:schemeClr val="accent2"/>
+          </a:lnRef>
+          <a:fillRef idx="2">
+            <a:schemeClr val="accent2"/>
+          </a:fillRef>
+          <a:effectRef idx="1">
+            <a:schemeClr val="accent2"/>
+          </a:effectRef>
+          <a:fontRef idx="minor">
+            <a:schemeClr val="dk1"/>
+          </a:fontRef>
+        </p:style>
+      </p:cxnSp>
+      <p:sp>
+        <p:nvSpPr>
+          <p:cNvPr id="93" name="Rectangle 11"/>
+          <p:cNvSpPr/>
+          <p:nvPr/>
+        </p:nvSpPr>
+        <p:spPr>
+          <a:xfrm>
+            <a:off x="2613490" y="4786884"/>
+            <a:ext cx="1286040" cy="238509"/>
+          </a:xfrm>
+          <a:prstGeom prst="rect">
+            <a:avLst/>
+          </a:prstGeom>
+          <a:ln w="19050">
+            <a:solidFill>
+              <a:schemeClr val="accent3"/>
+            </a:solidFill>
+          </a:ln>
+          <a:effectLst/>
+        </p:spPr>
+        <p:style>
+          <a:lnRef idx="1">
+            <a:schemeClr val="accent3"/>
+          </a:lnRef>
+          <a:fillRef idx="2">
+            <a:schemeClr val="accent3"/>
+          </a:fillRef>
+          <a:effectRef idx="1">
+            <a:schemeClr val="accent3"/>
+          </a:effectRef>
+          <a:fontRef idx="minor">
+            <a:schemeClr val="dk1"/>
+          </a:fontRef>
+        </p:style>
+        <p:txBody>
+          <a:bodyPr rtlCol="0" anchor="ctr"/>
+          <a:lstStyle/>
+          <a:p>
+            <a:pPr algn="ctr"/>
+            <a:r>
+              <a:rPr lang="en-US" sz="1050" b="1" smtClean="0">
+                <a:solidFill>
+                  <a:schemeClr val="accent3">
+                    <a:lumMod val="75000"/>
+                  </a:schemeClr>
+                </a:solidFill>
+              </a:rPr>
+              <a:t>OutletDetailsPanel</a:t>
+            </a:r>
+            <a:endParaRPr lang="en-SG" sz="1050" b="1" dirty="0">
+              <a:solidFill>
+                <a:schemeClr val="accent3">
+                  <a:lumMod val="75000"/>
+                </a:schemeClr>
+              </a:solidFill>
+            </a:endParaRPr>
+          </a:p>
+        </p:txBody>
+      </p:sp>
+      <p:sp>
+        <p:nvSpPr>
+          <p:cNvPr id="122" name="Freeform 121"/>
+          <p:cNvSpPr/>
+          <p:nvPr/>
+        </p:nvSpPr>
+        <p:spPr>
+          <a:xfrm flipV="1">
+            <a:off x="3899223" y="4977597"/>
+            <a:ext cx="2817885" cy="66454"/>
+          </a:xfrm>
+          <a:custGeom>
+            <a:avLst/>
+            <a:gdLst>
+              <a:gd name="connsiteX0" fmla="*/ 0 w 3048000"/>
+              <a:gd name="connsiteY0" fmla="*/ 203200 h 203200"/>
+              <a:gd name="connsiteX1" fmla="*/ 221673 w 3048000"/>
+              <a:gd name="connsiteY1" fmla="*/ 0 h 203200"/>
+              <a:gd name="connsiteX2" fmla="*/ 3048000 w 3048000"/>
+              <a:gd name="connsiteY2" fmla="*/ 0 h 203200"/>
+            </a:gdLst>
+            <a:ahLst/>
+            <a:cxnLst>
+              <a:cxn ang="0">
+                <a:pos x="connsiteX0" y="connsiteY0"/>
+              </a:cxn>
+              <a:cxn ang="0">
+                <a:pos x="connsiteX1" y="connsiteY1"/>
+              </a:cxn>
+              <a:cxn ang="0">
+                <a:pos x="connsiteX2" y="connsiteY2"/>
+              </a:cxn>
+            </a:cxnLst>
+            <a:rect l="l" t="t" r="r" b="b"/>
+            <a:pathLst>
+              <a:path w="3048000" h="203200">
+                <a:moveTo>
+                  <a:pt x="0" y="203200"/>
+                </a:moveTo>
+                <a:lnTo>
+                  <a:pt x="221673" y="0"/>
+                </a:lnTo>
+                <a:lnTo>
+                  <a:pt x="3048000" y="0"/>
+                </a:lnTo>
+              </a:path>
+            </a:pathLst>
+          </a:custGeom>
+          <a:noFill/>
+          <a:ln w="19050">
+            <a:solidFill>
+              <a:schemeClr val="accent3"/>
+            </a:solidFill>
+            <a:prstDash val="sysDot"/>
+            <a:headEnd type="none" w="med" len="med"/>
+            <a:tailEnd type="arrow" w="med" len="med"/>
+          </a:ln>
+          <a:effectLst/>
+        </p:spPr>
+        <p:style>
+          <a:lnRef idx="1">
+            <a:schemeClr val="accent2"/>
+          </a:lnRef>
+          <a:fillRef idx="2">
+            <a:schemeClr val="accent2"/>
+          </a:fillRef>
+          <a:effectRef idx="1">
+            <a:schemeClr val="accent2"/>
+          </a:effectRef>
+          <a:fontRef idx="minor">
+            <a:schemeClr val="dk1"/>
+          </a:fontRef>
+        </p:style>
+        <p:txBody>
+          <a:bodyPr rtlCol="0" anchor="ctr"/>
+          <a:lstStyle/>
+          <a:p>
+            <a:pPr algn="ctr"/>
+            <a:endParaRPr lang="en-SG"/>
+          </a:p>
+        </p:txBody>
+      </p:sp>
+      <p:cxnSp>
+        <p:nvCxnSpPr>
+          <p:cNvPr id="123" name="Elbow Connector 63"/>
+          <p:cNvCxnSpPr>
+            <a:stCxn id="39" idx="2"/>
+            <a:endCxn id="93" idx="1"/>
+          </p:cNvCxnSpPr>
+          <p:nvPr/>
+        </p:nvCxnSpPr>
+        <p:spPr>
+          <a:xfrm rot="16200000" flipH="1">
+            <a:off x="1495751" y="3788400"/>
+            <a:ext cx="2038114" cy="197364"/>
+          </a:xfrm>
+          <a:prstGeom prst="bentConnector2">
+            <a:avLst/>
+          </a:prstGeom>
+          <a:ln w="19050">
+            <a:solidFill>
+              <a:schemeClr val="accent3"/>
+            </a:solidFill>
+            <a:headEnd type="none" w="med" len="med"/>
+            <a:tailEnd type="arrow" w="med" len="med"/>
+          </a:ln>
+          <a:effectLst/>
+        </p:spPr>
+        <p:style>
+          <a:lnRef idx="1">
+            <a:schemeClr val="accent2"/>
+          </a:lnRef>
+          <a:fillRef idx="2">
+            <a:schemeClr val="accent2"/>
+          </a:fillRef>
+          <a:effectRef idx="1">
+            <a:schemeClr val="accent2"/>
+          </a:effectRef>
+          <a:fontRef idx="minor">
+            <a:schemeClr val="dk1"/>
+          </a:fontRef>
+        </p:style>
+      </p:cxnSp>
+      <p:cxnSp>
+        <p:nvCxnSpPr>
+          <p:cNvPr id="124" name="Elbow Connector 63"/>
+          <p:cNvCxnSpPr>
+            <a:stCxn id="16" idx="3"/>
+            <a:endCxn id="93" idx="3"/>
+          </p:cNvCxnSpPr>
+          <p:nvPr/>
+        </p:nvCxnSpPr>
+        <p:spPr>
+          <a:xfrm rot="5400000">
+            <a:off x="3404681" y="2780850"/>
+            <a:ext cx="2620139" cy="1630439"/>
+          </a:xfrm>
+          <a:prstGeom prst="bentConnector2">
+            <a:avLst/>
+          </a:prstGeom>
+          <a:ln w="6350">
+            <a:solidFill>
+              <a:schemeClr val="accent3"/>
+            </a:solidFill>
+            <a:headEnd type="none" w="med" len="med"/>
+            <a:tailEnd type="none" w="med" len="med"/>
+          </a:ln>
+          <a:effectLst/>
+        </p:spPr>
+        <p:style>
+          <a:lnRef idx="1">
+            <a:schemeClr val="accent2"/>
+          </a:lnRef>
+          <a:fillRef idx="2">
+            <a:schemeClr val="accent2"/>
+          </a:fillRef>
+          <a:effectRef idx="1">
+            <a:schemeClr val="accent2"/>
+          </a:effectRef>
+          <a:fontRef idx="minor">
+            <a:schemeClr val="dk1"/>
+          </a:fontRef>
+        </p:style>
+      </p:cxnSp>
+      <p:sp>
+        <p:nvSpPr>
+          <p:cNvPr id="127" name="Freeform 126"/>
+          <p:cNvSpPr/>
+          <p:nvPr/>
+        </p:nvSpPr>
+        <p:spPr>
+          <a:xfrm flipV="1">
+            <a:off x="3889393" y="4661220"/>
+            <a:ext cx="2817885" cy="66454"/>
+          </a:xfrm>
+          <a:custGeom>
+            <a:avLst/>
+            <a:gdLst>
+              <a:gd name="connsiteX0" fmla="*/ 0 w 3048000"/>
+              <a:gd name="connsiteY0" fmla="*/ 203200 h 203200"/>
+              <a:gd name="connsiteX1" fmla="*/ 221673 w 3048000"/>
+              <a:gd name="connsiteY1" fmla="*/ 0 h 203200"/>
+              <a:gd name="connsiteX2" fmla="*/ 3048000 w 3048000"/>
+              <a:gd name="connsiteY2" fmla="*/ 0 h 203200"/>
+            </a:gdLst>
+            <a:ahLst/>
+            <a:cxnLst>
+              <a:cxn ang="0">
+                <a:pos x="connsiteX0" y="connsiteY0"/>
+              </a:cxn>
+              <a:cxn ang="0">
+                <a:pos x="connsiteX1" y="connsiteY1"/>
+              </a:cxn>
+              <a:cxn ang="0">
+                <a:pos x="connsiteX2" y="connsiteY2"/>
+              </a:cxn>
+            </a:cxnLst>
+            <a:rect l="l" t="t" r="r" b="b"/>
+            <a:pathLst>
+              <a:path w="3048000" h="203200">
+                <a:moveTo>
+                  <a:pt x="0" y="203200"/>
+                </a:moveTo>
+                <a:lnTo>
+                  <a:pt x="221673" y="0"/>
+                </a:lnTo>
+                <a:lnTo>
+                  <a:pt x="3048000" y="0"/>
+                </a:lnTo>
+              </a:path>
+            </a:pathLst>
+          </a:custGeom>
+          <a:noFill/>
+          <a:ln w="19050">
+            <a:solidFill>
+              <a:schemeClr val="accent3"/>
+            </a:solidFill>
+            <a:prstDash val="sysDot"/>
+            <a:headEnd type="none" w="med" len="med"/>
+            <a:tailEnd type="arrow" w="med" len="med"/>
+          </a:ln>
+          <a:effectLst/>
+        </p:spPr>
+        <p:style>
+          <a:lnRef idx="1">
+            <a:schemeClr val="accent2"/>
+          </a:lnRef>
+          <a:fillRef idx="2">
+            <a:schemeClr val="accent2"/>
+          </a:fillRef>
+          <a:effectRef idx="1">
+            <a:schemeClr val="accent2"/>
+          </a:effectRef>
+          <a:fontRef idx="minor">
+            <a:schemeClr val="dk1"/>
+          </a:fontRef>
+        </p:style>
+        <p:txBody>
+          <a:bodyPr rtlCol="0" anchor="ctr"/>
+          <a:lstStyle/>
+          <a:p>
+            <a:pPr algn="ctr"/>
+            <a:endParaRPr lang="en-SG"/>
+          </a:p>
+        </p:txBody>
+      </p:sp>
     </p:spTree>
     <p:extLst>
       <p:ext uri="{BB962C8B-B14F-4D97-AF65-F5344CB8AC3E}">
@@ -5519,6 +6056,13 @@
   <p:clrMapOvr>
     <a:masterClrMapping/>
   </p:clrMapOvr>
+  <p:timing>
+    <p:tnLst>
+      <p:par>
+        <p:cTn id="1" dur="indefinite" restart="never" nodeType="tmRoot"/>
+      </p:par>
+    </p:tnLst>
+  </p:timing>
 </p:sld>
 </file>
 
